--- a/_posts/ithome/2021/9.邏輯斯迴歸/9.羅輯迴歸.pptx
+++ b/_posts/ithome/2021/9.邏輯斯迴歸/9.羅輯迴歸.pptx
@@ -4,11 +4,16 @@
   <p:sldMasterIdLst>
     <p:sldMasterId id="2147483648" r:id="rId1"/>
   </p:sldMasterIdLst>
+  <p:notesMasterIdLst>
+    <p:notesMasterId r:id="rId8"/>
+  </p:notesMasterIdLst>
   <p:sldIdLst>
     <p:sldId id="256" r:id="rId2"/>
     <p:sldId id="257" r:id="rId3"/>
     <p:sldId id="258" r:id="rId4"/>
     <p:sldId id="259" r:id="rId5"/>
+    <p:sldId id="260" r:id="rId6"/>
+    <p:sldId id="261" r:id="rId7"/>
   </p:sldIdLst>
   <p:sldSz cx="12192000" cy="6858000"/>
   <p:notesSz cx="6858000" cy="9144000"/>
@@ -113,6 +118,452 @@
     </p:ext>
   </p:extLst>
 </p:presentation>
+</file>
+
+<file path=ppt/notesMasters/notesMaster1.xml><?xml version="1.0" encoding="utf-8"?>
+<p:notesMaster xmlns:a="http://schemas.openxmlformats.org/drawingml/2006/main" xmlns:r="http://schemas.openxmlformats.org/officeDocument/2006/relationships" xmlns:p="http://schemas.openxmlformats.org/presentationml/2006/main">
+  <p:cSld>
+    <p:bg>
+      <p:bgRef idx="1001">
+        <a:schemeClr val="bg1"/>
+      </p:bgRef>
+    </p:bg>
+    <p:spTree>
+      <p:nvGrpSpPr>
+        <p:cNvPr id="1" name=""/>
+        <p:cNvGrpSpPr/>
+        <p:nvPr/>
+      </p:nvGrpSpPr>
+      <p:grpSpPr>
+        <a:xfrm>
+          <a:off x="0" y="0"/>
+          <a:ext cx="0" cy="0"/>
+          <a:chOff x="0" y="0"/>
+          <a:chExt cx="0" cy="0"/>
+        </a:xfrm>
+      </p:grpSpPr>
+      <p:sp>
+        <p:nvSpPr>
+          <p:cNvPr id="2" name="Header Placeholder 1"/>
+          <p:cNvSpPr>
+            <a:spLocks noGrp="1"/>
+          </p:cNvSpPr>
+          <p:nvPr>
+            <p:ph type="hdr" sz="quarter"/>
+          </p:nvPr>
+        </p:nvSpPr>
+        <p:spPr>
+          <a:xfrm>
+            <a:off x="0" y="0"/>
+            <a:ext cx="2971800" cy="458788"/>
+          </a:xfrm>
+          <a:prstGeom prst="rect">
+            <a:avLst/>
+          </a:prstGeom>
+        </p:spPr>
+        <p:txBody>
+          <a:bodyPr vert="horz" lIns="91440" tIns="45720" rIns="91440" bIns="45720" rtlCol="0"/>
+          <a:lstStyle>
+            <a:lvl1pPr algn="l">
+              <a:defRPr sz="1200"/>
+            </a:lvl1pPr>
+          </a:lstStyle>
+          <a:p>
+            <a:endParaRPr lang="en-TW"/>
+          </a:p>
+        </p:txBody>
+      </p:sp>
+      <p:sp>
+        <p:nvSpPr>
+          <p:cNvPr id="3" name="Date Placeholder 2"/>
+          <p:cNvSpPr>
+            <a:spLocks noGrp="1"/>
+          </p:cNvSpPr>
+          <p:nvPr>
+            <p:ph type="dt" idx="1"/>
+          </p:nvPr>
+        </p:nvSpPr>
+        <p:spPr>
+          <a:xfrm>
+            <a:off x="3884613" y="0"/>
+            <a:ext cx="2971800" cy="458788"/>
+          </a:xfrm>
+          <a:prstGeom prst="rect">
+            <a:avLst/>
+          </a:prstGeom>
+        </p:spPr>
+        <p:txBody>
+          <a:bodyPr vert="horz" lIns="91440" tIns="45720" rIns="91440" bIns="45720" rtlCol="0"/>
+          <a:lstStyle>
+            <a:lvl1pPr algn="r">
+              <a:defRPr sz="1200"/>
+            </a:lvl1pPr>
+          </a:lstStyle>
+          <a:p>
+            <a:fld id="{63A681FC-4779-4644-BBFE-CC325931F240}" type="datetimeFigureOut">
+              <a:rPr lang="en-TW" smtClean="0"/>
+              <a:t>2021/9/20</a:t>
+            </a:fld>
+            <a:endParaRPr lang="en-TW"/>
+          </a:p>
+        </p:txBody>
+      </p:sp>
+      <p:sp>
+        <p:nvSpPr>
+          <p:cNvPr id="4" name="Slide Image Placeholder 3"/>
+          <p:cNvSpPr>
+            <a:spLocks noGrp="1" noRot="1" noChangeAspect="1"/>
+          </p:cNvSpPr>
+          <p:nvPr>
+            <p:ph type="sldImg" idx="2"/>
+          </p:nvPr>
+        </p:nvSpPr>
+        <p:spPr>
+          <a:xfrm>
+            <a:off x="685800" y="1143000"/>
+            <a:ext cx="5486400" cy="3086100"/>
+          </a:xfrm>
+          <a:prstGeom prst="rect">
+            <a:avLst/>
+          </a:prstGeom>
+          <a:noFill/>
+          <a:ln w="12700">
+            <a:solidFill>
+              <a:prstClr val="black"/>
+            </a:solidFill>
+          </a:ln>
+        </p:spPr>
+        <p:txBody>
+          <a:bodyPr vert="horz" lIns="91440" tIns="45720" rIns="91440" bIns="45720" rtlCol="0" anchor="ctr"/>
+          <a:lstStyle/>
+          <a:p>
+            <a:endParaRPr lang="en-TW"/>
+          </a:p>
+        </p:txBody>
+      </p:sp>
+      <p:sp>
+        <p:nvSpPr>
+          <p:cNvPr id="5" name="Notes Placeholder 4"/>
+          <p:cNvSpPr>
+            <a:spLocks noGrp="1"/>
+          </p:cNvSpPr>
+          <p:nvPr>
+            <p:ph type="body" sz="quarter" idx="3"/>
+          </p:nvPr>
+        </p:nvSpPr>
+        <p:spPr>
+          <a:xfrm>
+            <a:off x="685800" y="4400550"/>
+            <a:ext cx="5486400" cy="3600450"/>
+          </a:xfrm>
+          <a:prstGeom prst="rect">
+            <a:avLst/>
+          </a:prstGeom>
+        </p:spPr>
+        <p:txBody>
+          <a:bodyPr vert="horz" lIns="91440" tIns="45720" rIns="91440" bIns="45720" rtlCol="0"/>
+          <a:lstStyle/>
+          <a:p>
+            <a:pPr lvl="0"/>
+            <a:r>
+              <a:rPr lang="en-US"/>
+              <a:t>Click to edit Master text styles</a:t>
+            </a:r>
+          </a:p>
+          <a:p>
+            <a:pPr lvl="1"/>
+            <a:r>
+              <a:rPr lang="en-US"/>
+              <a:t>Second level</a:t>
+            </a:r>
+          </a:p>
+          <a:p>
+            <a:pPr lvl="2"/>
+            <a:r>
+              <a:rPr lang="en-US"/>
+              <a:t>Third level</a:t>
+            </a:r>
+          </a:p>
+          <a:p>
+            <a:pPr lvl="3"/>
+            <a:r>
+              <a:rPr lang="en-US"/>
+              <a:t>Fourth level</a:t>
+            </a:r>
+          </a:p>
+          <a:p>
+            <a:pPr lvl="4"/>
+            <a:r>
+              <a:rPr lang="en-US"/>
+              <a:t>Fifth level</a:t>
+            </a:r>
+            <a:endParaRPr lang="en-TW"/>
+          </a:p>
+        </p:txBody>
+      </p:sp>
+      <p:sp>
+        <p:nvSpPr>
+          <p:cNvPr id="6" name="Footer Placeholder 5"/>
+          <p:cNvSpPr>
+            <a:spLocks noGrp="1"/>
+          </p:cNvSpPr>
+          <p:nvPr>
+            <p:ph type="ftr" sz="quarter" idx="4"/>
+          </p:nvPr>
+        </p:nvSpPr>
+        <p:spPr>
+          <a:xfrm>
+            <a:off x="0" y="8685213"/>
+            <a:ext cx="2971800" cy="458787"/>
+          </a:xfrm>
+          <a:prstGeom prst="rect">
+            <a:avLst/>
+          </a:prstGeom>
+        </p:spPr>
+        <p:txBody>
+          <a:bodyPr vert="horz" lIns="91440" tIns="45720" rIns="91440" bIns="45720" rtlCol="0" anchor="b"/>
+          <a:lstStyle>
+            <a:lvl1pPr algn="l">
+              <a:defRPr sz="1200"/>
+            </a:lvl1pPr>
+          </a:lstStyle>
+          <a:p>
+            <a:endParaRPr lang="en-TW"/>
+          </a:p>
+        </p:txBody>
+      </p:sp>
+      <p:sp>
+        <p:nvSpPr>
+          <p:cNvPr id="7" name="Slide Number Placeholder 6"/>
+          <p:cNvSpPr>
+            <a:spLocks noGrp="1"/>
+          </p:cNvSpPr>
+          <p:nvPr>
+            <p:ph type="sldNum" sz="quarter" idx="5"/>
+          </p:nvPr>
+        </p:nvSpPr>
+        <p:spPr>
+          <a:xfrm>
+            <a:off x="3884613" y="8685213"/>
+            <a:ext cx="2971800" cy="458787"/>
+          </a:xfrm>
+          <a:prstGeom prst="rect">
+            <a:avLst/>
+          </a:prstGeom>
+        </p:spPr>
+        <p:txBody>
+          <a:bodyPr vert="horz" lIns="91440" tIns="45720" rIns="91440" bIns="45720" rtlCol="0" anchor="b"/>
+          <a:lstStyle>
+            <a:lvl1pPr algn="r">
+              <a:defRPr sz="1200"/>
+            </a:lvl1pPr>
+          </a:lstStyle>
+          <a:p>
+            <a:fld id="{B51F208D-EA64-4949-9AE3-5F3FEDB78BCB}" type="slidenum">
+              <a:rPr lang="en-TW" smtClean="0"/>
+              <a:t>‹#›</a:t>
+            </a:fld>
+            <a:endParaRPr lang="en-TW"/>
+          </a:p>
+        </p:txBody>
+      </p:sp>
+    </p:spTree>
+    <p:extLst>
+      <p:ext uri="{BB962C8B-B14F-4D97-AF65-F5344CB8AC3E}">
+        <p14:creationId xmlns:p14="http://schemas.microsoft.com/office/powerpoint/2010/main" val="763870186"/>
+      </p:ext>
+    </p:extLst>
+  </p:cSld>
+  <p:clrMap bg1="lt1" tx1="dk1" bg2="lt2" tx2="dk2" accent1="accent1" accent2="accent2" accent3="accent3" accent4="accent4" accent5="accent5" accent6="accent6" hlink="hlink" folHlink="folHlink"/>
+  <p:notesStyle>
+    <a:lvl1pPr marL="0" algn="l" defTabSz="914400" rtl="0" eaLnBrk="1" latinLnBrk="0" hangingPunct="1">
+      <a:defRPr sz="1200" kern="1200">
+        <a:solidFill>
+          <a:schemeClr val="tx1"/>
+        </a:solidFill>
+        <a:latin typeface="+mn-lt"/>
+        <a:ea typeface="+mn-ea"/>
+        <a:cs typeface="+mn-cs"/>
+      </a:defRPr>
+    </a:lvl1pPr>
+    <a:lvl2pPr marL="457200" algn="l" defTabSz="914400" rtl="0" eaLnBrk="1" latinLnBrk="0" hangingPunct="1">
+      <a:defRPr sz="1200" kern="1200">
+        <a:solidFill>
+          <a:schemeClr val="tx1"/>
+        </a:solidFill>
+        <a:latin typeface="+mn-lt"/>
+        <a:ea typeface="+mn-ea"/>
+        <a:cs typeface="+mn-cs"/>
+      </a:defRPr>
+    </a:lvl2pPr>
+    <a:lvl3pPr marL="914400" algn="l" defTabSz="914400" rtl="0" eaLnBrk="1" latinLnBrk="0" hangingPunct="1">
+      <a:defRPr sz="1200" kern="1200">
+        <a:solidFill>
+          <a:schemeClr val="tx1"/>
+        </a:solidFill>
+        <a:latin typeface="+mn-lt"/>
+        <a:ea typeface="+mn-ea"/>
+        <a:cs typeface="+mn-cs"/>
+      </a:defRPr>
+    </a:lvl3pPr>
+    <a:lvl4pPr marL="1371600" algn="l" defTabSz="914400" rtl="0" eaLnBrk="1" latinLnBrk="0" hangingPunct="1">
+      <a:defRPr sz="1200" kern="1200">
+        <a:solidFill>
+          <a:schemeClr val="tx1"/>
+        </a:solidFill>
+        <a:latin typeface="+mn-lt"/>
+        <a:ea typeface="+mn-ea"/>
+        <a:cs typeface="+mn-cs"/>
+      </a:defRPr>
+    </a:lvl4pPr>
+    <a:lvl5pPr marL="1828800" algn="l" defTabSz="914400" rtl="0" eaLnBrk="1" latinLnBrk="0" hangingPunct="1">
+      <a:defRPr sz="1200" kern="1200">
+        <a:solidFill>
+          <a:schemeClr val="tx1"/>
+        </a:solidFill>
+        <a:latin typeface="+mn-lt"/>
+        <a:ea typeface="+mn-ea"/>
+        <a:cs typeface="+mn-cs"/>
+      </a:defRPr>
+    </a:lvl5pPr>
+    <a:lvl6pPr marL="2286000" algn="l" defTabSz="914400" rtl="0" eaLnBrk="1" latinLnBrk="0" hangingPunct="1">
+      <a:defRPr sz="1200" kern="1200">
+        <a:solidFill>
+          <a:schemeClr val="tx1"/>
+        </a:solidFill>
+        <a:latin typeface="+mn-lt"/>
+        <a:ea typeface="+mn-ea"/>
+        <a:cs typeface="+mn-cs"/>
+      </a:defRPr>
+    </a:lvl6pPr>
+    <a:lvl7pPr marL="2743200" algn="l" defTabSz="914400" rtl="0" eaLnBrk="1" latinLnBrk="0" hangingPunct="1">
+      <a:defRPr sz="1200" kern="1200">
+        <a:solidFill>
+          <a:schemeClr val="tx1"/>
+        </a:solidFill>
+        <a:latin typeface="+mn-lt"/>
+        <a:ea typeface="+mn-ea"/>
+        <a:cs typeface="+mn-cs"/>
+      </a:defRPr>
+    </a:lvl7pPr>
+    <a:lvl8pPr marL="3200400" algn="l" defTabSz="914400" rtl="0" eaLnBrk="1" latinLnBrk="0" hangingPunct="1">
+      <a:defRPr sz="1200" kern="1200">
+        <a:solidFill>
+          <a:schemeClr val="tx1"/>
+        </a:solidFill>
+        <a:latin typeface="+mn-lt"/>
+        <a:ea typeface="+mn-ea"/>
+        <a:cs typeface="+mn-cs"/>
+      </a:defRPr>
+    </a:lvl8pPr>
+    <a:lvl9pPr marL="3657600" algn="l" defTabSz="914400" rtl="0" eaLnBrk="1" latinLnBrk="0" hangingPunct="1">
+      <a:defRPr sz="1200" kern="1200">
+        <a:solidFill>
+          <a:schemeClr val="tx1"/>
+        </a:solidFill>
+        <a:latin typeface="+mn-lt"/>
+        <a:ea typeface="+mn-ea"/>
+        <a:cs typeface="+mn-cs"/>
+      </a:defRPr>
+    </a:lvl9pPr>
+  </p:notesStyle>
+</p:notesMaster>
+</file>
+
+<file path=ppt/notesSlides/notesSlide1.xml><?xml version="1.0" encoding="utf-8"?>
+<p:notes xmlns:a="http://schemas.openxmlformats.org/drawingml/2006/main" xmlns:r="http://schemas.openxmlformats.org/officeDocument/2006/relationships" xmlns:p="http://schemas.openxmlformats.org/presentationml/2006/main">
+  <p:cSld>
+    <p:spTree>
+      <p:nvGrpSpPr>
+        <p:cNvPr id="1" name=""/>
+        <p:cNvGrpSpPr/>
+        <p:nvPr/>
+      </p:nvGrpSpPr>
+      <p:grpSpPr>
+        <a:xfrm>
+          <a:off x="0" y="0"/>
+          <a:ext cx="0" cy="0"/>
+          <a:chOff x="0" y="0"/>
+          <a:chExt cx="0" cy="0"/>
+        </a:xfrm>
+      </p:grpSpPr>
+      <p:sp>
+        <p:nvSpPr>
+          <p:cNvPr id="2" name="Slide Image Placeholder 1"/>
+          <p:cNvSpPr>
+            <a:spLocks noGrp="1" noRot="1" noChangeAspect="1"/>
+          </p:cNvSpPr>
+          <p:nvPr>
+            <p:ph type="sldImg"/>
+          </p:nvPr>
+        </p:nvSpPr>
+        <p:spPr/>
+      </p:sp>
+      <p:sp>
+        <p:nvSpPr>
+          <p:cNvPr id="3" name="Notes Placeholder 2"/>
+          <p:cNvSpPr>
+            <a:spLocks noGrp="1"/>
+          </p:cNvSpPr>
+          <p:nvPr>
+            <p:ph type="body" idx="1"/>
+          </p:nvPr>
+        </p:nvSpPr>
+        <p:spPr/>
+        <p:txBody>
+          <a:bodyPr/>
+          <a:lstStyle/>
+          <a:p>
+            <a:r>
+              <a:rPr lang="en-US" dirty="0"/>
+              <a:t>https://</a:t>
+            </a:r>
+            <a:r>
+              <a:rPr lang="en-US" dirty="0" err="1"/>
+              <a:t>zhuanlan.zhihu.com</a:t>
+            </a:r>
+            <a:r>
+              <a:rPr lang="en-US"/>
+              <a:t>/p/28194607</a:t>
+            </a:r>
+            <a:endParaRPr lang="en-TW"/>
+          </a:p>
+        </p:txBody>
+      </p:sp>
+      <p:sp>
+        <p:nvSpPr>
+          <p:cNvPr id="4" name="Slide Number Placeholder 3"/>
+          <p:cNvSpPr>
+            <a:spLocks noGrp="1"/>
+          </p:cNvSpPr>
+          <p:nvPr>
+            <p:ph type="sldNum" sz="quarter" idx="5"/>
+          </p:nvPr>
+        </p:nvSpPr>
+        <p:spPr/>
+        <p:txBody>
+          <a:bodyPr/>
+          <a:lstStyle/>
+          <a:p>
+            <a:fld id="{B51F208D-EA64-4949-9AE3-5F3FEDB78BCB}" type="slidenum">
+              <a:rPr lang="en-TW" smtClean="0"/>
+              <a:t>6</a:t>
+            </a:fld>
+            <a:endParaRPr lang="en-TW"/>
+          </a:p>
+        </p:txBody>
+      </p:sp>
+    </p:spTree>
+    <p:extLst>
+      <p:ext uri="{BB962C8B-B14F-4D97-AF65-F5344CB8AC3E}">
+        <p14:creationId xmlns:p14="http://schemas.microsoft.com/office/powerpoint/2010/main" val="1053462714"/>
+      </p:ext>
+    </p:extLst>
+  </p:cSld>
+  <p:clrMapOvr>
+    <a:masterClrMapping/>
+  </p:clrMapOvr>
+</p:notes>
 </file>
 
 <file path=ppt/slideLayouts/slideLayout1.xml><?xml version="1.0" encoding="utf-8"?>
@@ -11169,6 +11620,881 @@
 </p:sld>
 </file>
 
+<file path=ppt/slides/slide5.xml><?xml version="1.0" encoding="utf-8"?>
+<p:sld xmlns:a="http://schemas.openxmlformats.org/drawingml/2006/main" xmlns:r="http://schemas.openxmlformats.org/officeDocument/2006/relationships" xmlns:p="http://schemas.openxmlformats.org/presentationml/2006/main">
+  <p:cSld>
+    <p:spTree>
+      <p:nvGrpSpPr>
+        <p:cNvPr id="1" name=""/>
+        <p:cNvGrpSpPr/>
+        <p:nvPr/>
+      </p:nvGrpSpPr>
+      <p:grpSpPr>
+        <a:xfrm>
+          <a:off x="0" y="0"/>
+          <a:ext cx="0" cy="0"/>
+          <a:chOff x="0" y="0"/>
+          <a:chExt cx="0" cy="0"/>
+        </a:xfrm>
+      </p:grpSpPr>
+      <p:sp>
+        <p:nvSpPr>
+          <p:cNvPr id="2" name="Rounded Rectangle 1">
+            <a:extLst>
+              <a:ext uri="{FF2B5EF4-FFF2-40B4-BE49-F238E27FC236}">
+                <a16:creationId xmlns:a16="http://schemas.microsoft.com/office/drawing/2014/main" id="{3262C816-8CFB-9148-BBDA-81365DD9FFEA}"/>
+              </a:ext>
+            </a:extLst>
+          </p:cNvPr>
+          <p:cNvSpPr/>
+          <p:nvPr/>
+        </p:nvSpPr>
+        <p:spPr>
+          <a:xfrm>
+            <a:off x="2628706" y="4761456"/>
+            <a:ext cx="1222744" cy="353683"/>
+          </a:xfrm>
+          <a:prstGeom prst="roundRect">
+            <a:avLst/>
+          </a:prstGeom>
+          <a:solidFill>
+            <a:srgbClr val="D2A66C"/>
+          </a:solidFill>
+          <a:ln w="12700" cap="flat" cmpd="sng" algn="ctr">
+            <a:noFill/>
+            <a:prstDash val="solid"/>
+            <a:miter lim="800000"/>
+          </a:ln>
+          <a:effectLst/>
+        </p:spPr>
+        <p:txBody>
+          <a:bodyPr rtlCol="0" anchor="ctr"/>
+          <a:lstStyle/>
+          <a:p>
+            <a:pPr marL="0" marR="0" lvl="0" indent="0" algn="ctr" defTabSz="914377" eaLnBrk="1" fontAlgn="auto" latinLnBrk="0" hangingPunct="1">
+              <a:lnSpc>
+                <a:spcPct val="130000"/>
+              </a:lnSpc>
+              <a:spcBef>
+                <a:spcPts val="0"/>
+              </a:spcBef>
+              <a:spcAft>
+                <a:spcPts val="0"/>
+              </a:spcAft>
+              <a:buClrTx/>
+              <a:buSzTx/>
+              <a:buFontTx/>
+              <a:buNone/>
+              <a:tabLst/>
+              <a:defRPr/>
+            </a:pPr>
+            <a:r>
+              <a:rPr lang="en-TW" sz="1400" kern="0" dirty="0">
+                <a:solidFill>
+                  <a:srgbClr val="FFFFFF"/>
+                </a:solidFill>
+                <a:latin typeface="微软雅黑" panose="020B0503020204020204" pitchFamily="34" charset="-122"/>
+                <a:ea typeface="微软雅黑" panose="020B0503020204020204" pitchFamily="34" charset="-122"/>
+              </a:rPr>
+              <a:t>真實分類</a:t>
+            </a:r>
+            <a:endParaRPr kumimoji="0" lang="en-TW" sz="1400" b="0" i="0" u="none" strike="noStrike" kern="0" cap="none" spc="0" normalizeH="0" baseline="0" noProof="0" dirty="0">
+              <a:ln>
+                <a:noFill/>
+              </a:ln>
+              <a:solidFill>
+                <a:srgbClr val="FFFFFF"/>
+              </a:solidFill>
+              <a:effectLst/>
+              <a:uLnTx/>
+              <a:uFillTx/>
+              <a:latin typeface="微软雅黑" panose="020B0503020204020204" pitchFamily="34" charset="-122"/>
+              <a:ea typeface="微软雅黑" panose="020B0503020204020204" pitchFamily="34" charset="-122"/>
+              <a:cs typeface="+mn-cs"/>
+            </a:endParaRPr>
+          </a:p>
+        </p:txBody>
+      </p:sp>
+      <p:sp>
+        <p:nvSpPr>
+          <p:cNvPr id="3" name="Rounded Rectangle 2">
+            <a:extLst>
+              <a:ext uri="{FF2B5EF4-FFF2-40B4-BE49-F238E27FC236}">
+                <a16:creationId xmlns:a16="http://schemas.microsoft.com/office/drawing/2014/main" id="{85223CBE-B8BC-0B49-A923-DFAC4077BC3D}"/>
+              </a:ext>
+            </a:extLst>
+          </p:cNvPr>
+          <p:cNvSpPr/>
+          <p:nvPr/>
+        </p:nvSpPr>
+        <p:spPr>
+          <a:xfrm>
+            <a:off x="7364427" y="4761457"/>
+            <a:ext cx="1222744" cy="353683"/>
+          </a:xfrm>
+          <a:prstGeom prst="roundRect">
+            <a:avLst/>
+          </a:prstGeom>
+          <a:solidFill>
+            <a:srgbClr val="D2A66C"/>
+          </a:solidFill>
+          <a:ln w="12700" cap="flat" cmpd="sng" algn="ctr">
+            <a:noFill/>
+            <a:prstDash val="solid"/>
+            <a:miter lim="800000"/>
+          </a:ln>
+          <a:effectLst/>
+        </p:spPr>
+        <p:txBody>
+          <a:bodyPr rtlCol="0" anchor="ctr"/>
+          <a:lstStyle/>
+          <a:p>
+            <a:pPr marL="0" marR="0" lvl="0" indent="0" algn="ctr" defTabSz="914377" eaLnBrk="1" fontAlgn="auto" latinLnBrk="0" hangingPunct="1">
+              <a:lnSpc>
+                <a:spcPct val="130000"/>
+              </a:lnSpc>
+              <a:spcBef>
+                <a:spcPts val="0"/>
+              </a:spcBef>
+              <a:spcAft>
+                <a:spcPts val="0"/>
+              </a:spcAft>
+              <a:buClrTx/>
+              <a:buSzTx/>
+              <a:buFontTx/>
+              <a:buNone/>
+              <a:tabLst/>
+              <a:defRPr/>
+            </a:pPr>
+            <a:r>
+              <a:rPr kumimoji="0" lang="zh-TW" altLang="en-US" sz="1400" b="0" i="0" u="none" strike="noStrike" kern="0" cap="none" spc="0" normalizeH="0" baseline="0" noProof="0" dirty="0">
+                <a:ln>
+                  <a:noFill/>
+                </a:ln>
+                <a:solidFill>
+                  <a:srgbClr val="FFFFFF"/>
+                </a:solidFill>
+                <a:effectLst/>
+                <a:uLnTx/>
+                <a:uFillTx/>
+                <a:latin typeface="Arial"/>
+                <a:ea typeface="微软雅黑"/>
+                <a:cs typeface="+mn-cs"/>
+              </a:rPr>
+              <a:t>模型預測</a:t>
+            </a:r>
+            <a:endParaRPr kumimoji="0" lang="en-TW" sz="1400" b="0" i="0" u="none" strike="noStrike" kern="0" cap="none" spc="0" normalizeH="0" baseline="0" noProof="0" dirty="0">
+              <a:ln>
+                <a:noFill/>
+              </a:ln>
+              <a:solidFill>
+                <a:srgbClr val="FFFFFF"/>
+              </a:solidFill>
+              <a:effectLst/>
+              <a:uLnTx/>
+              <a:uFillTx/>
+              <a:latin typeface="微软雅黑" panose="020B0503020204020204" pitchFamily="34" charset="-122"/>
+              <a:ea typeface="微软雅黑" panose="020B0503020204020204" pitchFamily="34" charset="-122"/>
+              <a:cs typeface="+mn-cs"/>
+            </a:endParaRPr>
+          </a:p>
+        </p:txBody>
+      </p:sp>
+      <p:grpSp>
+        <p:nvGrpSpPr>
+          <p:cNvPr id="4" name="Group 3">
+            <a:extLst>
+              <a:ext uri="{FF2B5EF4-FFF2-40B4-BE49-F238E27FC236}">
+                <a16:creationId xmlns:a16="http://schemas.microsoft.com/office/drawing/2014/main" id="{3035225D-DEAB-6645-9553-FCCC7D7F013F}"/>
+              </a:ext>
+            </a:extLst>
+          </p:cNvPr>
+          <p:cNvGrpSpPr/>
+          <p:nvPr/>
+        </p:nvGrpSpPr>
+        <p:grpSpPr>
+          <a:xfrm>
+            <a:off x="2822727" y="4938297"/>
+            <a:ext cx="5764444" cy="1050587"/>
+            <a:chOff x="3360126" y="3971848"/>
+            <a:chExt cx="5764444" cy="1050587"/>
+          </a:xfrm>
+        </p:grpSpPr>
+        <p:grpSp>
+          <p:nvGrpSpPr>
+            <p:cNvPr id="5" name="Group 4">
+              <a:extLst>
+                <a:ext uri="{FF2B5EF4-FFF2-40B4-BE49-F238E27FC236}">
+                  <a16:creationId xmlns:a16="http://schemas.microsoft.com/office/drawing/2014/main" id="{9348D519-E968-524D-BC1D-F5948C95A168}"/>
+                </a:ext>
+              </a:extLst>
+            </p:cNvPr>
+            <p:cNvGrpSpPr/>
+            <p:nvPr/>
+          </p:nvGrpSpPr>
+          <p:grpSpPr>
+            <a:xfrm>
+              <a:off x="3360126" y="4324980"/>
+              <a:ext cx="2735874" cy="328935"/>
+              <a:chOff x="7237110" y="4273903"/>
+              <a:chExt cx="2735874" cy="328935"/>
+            </a:xfrm>
+          </p:grpSpPr>
+          <p:sp>
+            <p:nvSpPr>
+              <p:cNvPr id="10" name="Intelligent Information Retrieval Laboratory">
+                <a:extLst>
+                  <a:ext uri="{FF2B5EF4-FFF2-40B4-BE49-F238E27FC236}">
+                    <a16:creationId xmlns:a16="http://schemas.microsoft.com/office/drawing/2014/main" id="{9DE95111-E484-B84D-90F8-03F9A0B7D889}"/>
+                  </a:ext>
+                </a:extLst>
+              </p:cNvPr>
+              <p:cNvSpPr txBox="1"/>
+              <p:nvPr/>
+            </p:nvSpPr>
+            <p:spPr>
+              <a:xfrm>
+                <a:off x="7237110" y="4273903"/>
+                <a:ext cx="2590800" cy="328935"/>
+              </a:xfrm>
+              <a:prstGeom prst="rect">
+                <a:avLst/>
+              </a:prstGeom>
+              <a:noFill/>
+              <a:ln w="12700" cap="flat">
+                <a:noFill/>
+                <a:miter lim="400000"/>
+              </a:ln>
+              <a:effectLst/>
+              <a:extLst>
+                <a:ext uri="{C572A759-6A51-4108-AA02-DFA0A04FC94B}">
+                  <ma14:wrappingTextBoxFlag xmlns="" xmlns:m="http://schemas.openxmlformats.org/officeDocument/2006/math" xmlns:a14="http://schemas.microsoft.com/office/drawing/2010/main" xmlns:ma14="http://schemas.microsoft.com/office/mac/drawingml/2011/main" val="1"/>
+                </a:ext>
+              </a:extLst>
+            </p:spPr>
+            <p:txBody>
+              <a:bodyPr wrap="square" lIns="71437" tIns="71437" rIns="71437" bIns="71437" numCol="1" anchor="ctr">
+                <a:spAutoFit/>
+              </a:bodyPr>
+              <a:lstStyle>
+                <a:lvl1pPr algn="l" defTabSz="821531">
+                  <a:defRPr sz="2400" b="0">
+                    <a:solidFill>
+                      <a:srgbClr val="FFFFFF"/>
+                    </a:solidFill>
+                    <a:latin typeface="Helvetica Neue Bold Condensed"/>
+                    <a:ea typeface="Helvetica Neue Bold Condensed"/>
+                    <a:cs typeface="Helvetica Neue Bold Condensed"/>
+                    <a:sym typeface="Helvetica Neue Bold Condensed"/>
+                  </a:defRPr>
+                </a:lvl1pPr>
+              </a:lstStyle>
+              <a:p>
+                <a:r>
+                  <a:rPr kumimoji="0" lang="zh-TW" altLang="en-US" sz="1050" b="0" i="0" u="none" strike="noStrike" cap="none" spc="0" normalizeH="0" baseline="0" dirty="0">
+                    <a:ln>
+                      <a:noFill/>
+                    </a:ln>
+                    <a:solidFill>
+                      <a:schemeClr val="tx1">
+                        <a:alpha val="15000"/>
+                      </a:schemeClr>
+                    </a:solidFill>
+                    <a:effectLst/>
+                    <a:uFillTx/>
+                    <a:latin typeface="Helvetica Neue Bold Condensed"/>
+                    <a:ea typeface="Helvetica Neue Bold Condensed"/>
+                    <a:cs typeface="Helvetica Neue Bold Condensed"/>
+                    <a:sym typeface="Helvetica Neue Bold Condensed"/>
+                  </a:rPr>
+                  <a:t>第</a:t>
+                </a:r>
+                <a:r>
+                  <a:rPr kumimoji="0" lang="en-US" altLang="zh-TW" sz="1050" b="0" i="0" u="none" strike="noStrike" cap="none" spc="0" normalizeH="0" baseline="0" dirty="0">
+                    <a:ln>
+                      <a:noFill/>
+                    </a:ln>
+                    <a:solidFill>
+                      <a:schemeClr val="tx1">
+                        <a:alpha val="15000"/>
+                      </a:schemeClr>
+                    </a:solidFill>
+                    <a:effectLst/>
+                    <a:uFillTx/>
+                    <a:latin typeface="Helvetica Neue Bold Condensed"/>
+                    <a:ea typeface="Helvetica Neue Bold Condensed"/>
+                    <a:cs typeface="Helvetica Neue Bold Condensed"/>
+                    <a:sym typeface="Helvetica Neue Bold Condensed"/>
+                  </a:rPr>
+                  <a:t>13</a:t>
+                </a:r>
+                <a:r>
+                  <a:rPr kumimoji="0" lang="zh-TW" altLang="en-US" sz="1050" b="0" i="0" u="none" strike="noStrike" cap="none" spc="0" normalizeH="0" baseline="0" dirty="0">
+                    <a:ln>
+                      <a:noFill/>
+                    </a:ln>
+                    <a:solidFill>
+                      <a:schemeClr val="tx1">
+                        <a:alpha val="15000"/>
+                      </a:schemeClr>
+                    </a:solidFill>
+                    <a:effectLst/>
+                    <a:uFillTx/>
+                    <a:latin typeface="Helvetica Neue Bold Condensed"/>
+                    <a:ea typeface="Helvetica Neue Bold Condensed"/>
+                    <a:cs typeface="Helvetica Neue Bold Condensed"/>
+                    <a:sym typeface="Helvetica Neue Bold Condensed"/>
+                  </a:rPr>
+                  <a:t>屆 </a:t>
+                </a:r>
+                <a:r>
+                  <a:rPr kumimoji="0" lang="en-US" sz="1200" b="0" i="0" u="none" strike="noStrike" cap="none" spc="0" normalizeH="0" baseline="0" dirty="0">
+                    <a:ln>
+                      <a:noFill/>
+                    </a:ln>
+                    <a:solidFill>
+                      <a:schemeClr val="tx1">
+                        <a:alpha val="15000"/>
+                      </a:schemeClr>
+                    </a:solidFill>
+                    <a:effectLst/>
+                    <a:uFillTx/>
+                    <a:latin typeface="Helvetica Neue Bold Condensed"/>
+                    <a:ea typeface="Helvetica Neue Bold Condensed"/>
+                    <a:cs typeface="Helvetica Neue Bold Condensed"/>
+                    <a:sym typeface="Helvetica Neue Bold Condensed"/>
+                  </a:rPr>
+                  <a:t>iT</a:t>
+                </a:r>
+                <a:r>
+                  <a:rPr kumimoji="0" lang="zh-TW" altLang="en-US" sz="1100" b="0" i="0" u="none" strike="noStrike" cap="none" spc="0" normalizeH="0" baseline="0" dirty="0">
+                    <a:ln>
+                      <a:noFill/>
+                    </a:ln>
+                    <a:solidFill>
+                      <a:schemeClr val="tx1">
+                        <a:alpha val="15000"/>
+                      </a:schemeClr>
+                    </a:solidFill>
+                    <a:effectLst/>
+                    <a:uFillTx/>
+                    <a:latin typeface="Helvetica Neue Bold Condensed"/>
+                    <a:ea typeface="Helvetica Neue Bold Condensed"/>
+                    <a:cs typeface="Helvetica Neue Bold Condensed"/>
+                    <a:sym typeface="Helvetica Neue Bold Condensed"/>
+                  </a:rPr>
+                  <a:t>邦</a:t>
+                </a:r>
+                <a:r>
+                  <a:rPr kumimoji="0" lang="zh-TW" altLang="en-US" sz="1000" b="0" i="0" u="none" strike="noStrike" cap="none" spc="0" normalizeH="0" baseline="0" dirty="0">
+                    <a:ln>
+                      <a:noFill/>
+                    </a:ln>
+                    <a:solidFill>
+                      <a:schemeClr val="tx1">
+                        <a:alpha val="15000"/>
+                      </a:schemeClr>
+                    </a:solidFill>
+                    <a:effectLst/>
+                    <a:uFillTx/>
+                    <a:latin typeface="Helvetica Neue Bold Condensed"/>
+                    <a:ea typeface="Helvetica Neue Bold Condensed"/>
+                    <a:cs typeface="Helvetica Neue Bold Condensed"/>
+                    <a:sym typeface="Helvetica Neue Bold Condensed"/>
+                  </a:rPr>
+                  <a:t>幫忙</a:t>
+                </a:r>
+                <a:r>
+                  <a:rPr kumimoji="0" lang="zh-TW" altLang="en-US" sz="1100" b="0" i="0" u="none" strike="noStrike" cap="none" spc="0" normalizeH="0" baseline="0" dirty="0">
+                    <a:ln>
+                      <a:noFill/>
+                    </a:ln>
+                    <a:solidFill>
+                      <a:schemeClr val="tx1">
+                        <a:alpha val="15000"/>
+                      </a:schemeClr>
+                    </a:solidFill>
+                    <a:effectLst/>
+                    <a:uFillTx/>
+                    <a:latin typeface="Helvetica Neue Bold Condensed"/>
+                    <a:ea typeface="Helvetica Neue Bold Condensed"/>
+                    <a:cs typeface="Helvetica Neue Bold Condensed"/>
+                    <a:sym typeface="Helvetica Neue Bold Condensed"/>
+                  </a:rPr>
+                  <a:t> 鐵人賽</a:t>
+                </a:r>
+                <a:endParaRPr sz="1100" dirty="0">
+                  <a:solidFill>
+                    <a:schemeClr val="tx1">
+                      <a:alpha val="15000"/>
+                    </a:schemeClr>
+                  </a:solidFill>
+                </a:endParaRPr>
+              </a:p>
+            </p:txBody>
+          </p:sp>
+          <p:sp>
+            <p:nvSpPr>
+              <p:cNvPr id="11" name="Intelligent Information Retrieval Laboratory">
+                <a:extLst>
+                  <a:ext uri="{FF2B5EF4-FFF2-40B4-BE49-F238E27FC236}">
+                    <a16:creationId xmlns:a16="http://schemas.microsoft.com/office/drawing/2014/main" id="{5BB85351-896D-8946-B3DE-528BEA0E71EE}"/>
+                  </a:ext>
+                </a:extLst>
+              </p:cNvPr>
+              <p:cNvSpPr txBox="1"/>
+              <p:nvPr/>
+            </p:nvSpPr>
+            <p:spPr>
+              <a:xfrm>
+                <a:off x="8753784" y="4289292"/>
+                <a:ext cx="1219200" cy="313546"/>
+              </a:xfrm>
+              <a:prstGeom prst="rect">
+                <a:avLst/>
+              </a:prstGeom>
+              <a:noFill/>
+              <a:ln w="12700" cap="flat">
+                <a:noFill/>
+                <a:miter lim="400000"/>
+              </a:ln>
+              <a:effectLst/>
+              <a:extLst>
+                <a:ext uri="{C572A759-6A51-4108-AA02-DFA0A04FC94B}">
+                  <ma14:wrappingTextBoxFlag xmlns="" xmlns:m="http://schemas.openxmlformats.org/officeDocument/2006/math" xmlns:a14="http://schemas.microsoft.com/office/drawing/2010/main" xmlns:ma14="http://schemas.microsoft.com/office/mac/drawingml/2011/main" val="1"/>
+                </a:ext>
+              </a:extLst>
+            </p:spPr>
+            <p:txBody>
+              <a:bodyPr wrap="square" lIns="71437" tIns="71437" rIns="71437" bIns="71437" numCol="1" anchor="ctr">
+                <a:spAutoFit/>
+              </a:bodyPr>
+              <a:lstStyle>
+                <a:lvl1pPr algn="l" defTabSz="821531">
+                  <a:defRPr sz="2400" b="0">
+                    <a:solidFill>
+                      <a:srgbClr val="FFFFFF"/>
+                    </a:solidFill>
+                    <a:latin typeface="Helvetica Neue Bold Condensed"/>
+                    <a:ea typeface="Helvetica Neue Bold Condensed"/>
+                    <a:cs typeface="Helvetica Neue Bold Condensed"/>
+                    <a:sym typeface="Helvetica Neue Bold Condensed"/>
+                  </a:defRPr>
+                </a:lvl1pPr>
+              </a:lstStyle>
+              <a:p>
+                <a:r>
+                  <a:rPr kumimoji="0" lang="en-US" altLang="zh-TW" sz="1050" b="0" i="0" u="none" strike="noStrike" cap="none" spc="0" normalizeH="0" baseline="0" dirty="0">
+                    <a:ln>
+                      <a:noFill/>
+                    </a:ln>
+                    <a:solidFill>
+                      <a:schemeClr val="tx1">
+                        <a:alpha val="15000"/>
+                      </a:schemeClr>
+                    </a:solidFill>
+                    <a:effectLst/>
+                    <a:uFillTx/>
+                    <a:latin typeface="Helvetica Neue Bold Condensed"/>
+                    <a:ea typeface="Helvetica Neue Bold Condensed"/>
+                    <a:cs typeface="Helvetica Neue Bold Condensed"/>
+                    <a:sym typeface="Helvetica Neue Bold Condensed"/>
+                  </a:rPr>
+                  <a:t>AI &amp; Data </a:t>
+                </a:r>
+                <a:r>
+                  <a:rPr kumimoji="0" lang="zh-TW" altLang="en-US" sz="1050" b="0" i="0" u="none" strike="noStrike" cap="none" spc="0" normalizeH="0" baseline="0" dirty="0">
+                    <a:ln>
+                      <a:noFill/>
+                    </a:ln>
+                    <a:solidFill>
+                      <a:schemeClr val="tx1">
+                        <a:alpha val="15000"/>
+                      </a:schemeClr>
+                    </a:solidFill>
+                    <a:effectLst/>
+                    <a:uFillTx/>
+                    <a:latin typeface="Helvetica Neue Bold Condensed"/>
+                    <a:ea typeface="Helvetica Neue Bold Condensed"/>
+                    <a:cs typeface="Helvetica Neue Bold Condensed"/>
+                    <a:sym typeface="Helvetica Neue Bold Condensed"/>
+                  </a:rPr>
+                  <a:t>組</a:t>
+                </a:r>
+                <a:endParaRPr sz="1100" dirty="0">
+                  <a:solidFill>
+                    <a:schemeClr val="tx1">
+                      <a:alpha val="15000"/>
+                    </a:schemeClr>
+                  </a:solidFill>
+                </a:endParaRPr>
+              </a:p>
+            </p:txBody>
+          </p:sp>
+        </p:grpSp>
+        <p:grpSp>
+          <p:nvGrpSpPr>
+            <p:cNvPr id="6" name="Group 5">
+              <a:extLst>
+                <a:ext uri="{FF2B5EF4-FFF2-40B4-BE49-F238E27FC236}">
+                  <a16:creationId xmlns:a16="http://schemas.microsoft.com/office/drawing/2014/main" id="{6CDE923B-17E4-3E4E-AE45-922233927975}"/>
+                </a:ext>
+              </a:extLst>
+            </p:cNvPr>
+            <p:cNvGrpSpPr/>
+            <p:nvPr/>
+          </p:nvGrpSpPr>
+          <p:grpSpPr>
+            <a:xfrm>
+              <a:off x="7247835" y="3971848"/>
+              <a:ext cx="1876735" cy="1050587"/>
+              <a:chOff x="3891792" y="3940042"/>
+              <a:chExt cx="1876735" cy="1050587"/>
+            </a:xfrm>
+          </p:grpSpPr>
+          <p:pic>
+            <p:nvPicPr>
+              <p:cNvPr id="7" name="Picture 6">
+                <a:extLst>
+                  <a:ext uri="{FF2B5EF4-FFF2-40B4-BE49-F238E27FC236}">
+                    <a16:creationId xmlns:a16="http://schemas.microsoft.com/office/drawing/2014/main" id="{0E0CA459-4EC9-B041-A7C8-CD1F0E9DBEED}"/>
+                  </a:ext>
+                </a:extLst>
+              </p:cNvPr>
+              <p:cNvPicPr>
+                <a:picLocks noChangeAspect="1" noChangeArrowheads="1"/>
+              </p:cNvPicPr>
+              <p:nvPr/>
+            </p:nvPicPr>
+            <p:blipFill>
+              <a:blip r:embed="rId2">
+                <a:duotone>
+                  <a:prstClr val="black"/>
+                  <a:schemeClr val="tx1">
+                    <a:tint val="45000"/>
+                    <a:satMod val="400000"/>
+                  </a:schemeClr>
+                </a:duotone>
+                <a:alphaModFix amt="20000"/>
+              </a:blip>
+              <a:srcRect/>
+              <a:stretch/>
+            </p:blipFill>
+            <p:spPr bwMode="auto">
+              <a:xfrm>
+                <a:off x="4489805" y="3940042"/>
+                <a:ext cx="1050587" cy="1050587"/>
+              </a:xfrm>
+              <a:prstGeom prst="rect">
+                <a:avLst/>
+              </a:prstGeom>
+              <a:noFill/>
+              <a:extLst>
+                <a:ext uri="{909E8E84-426E-40DD-AFC4-6F175D3DCCD1}">
+                  <a14:hiddenFill xmlns:a14="http://schemas.microsoft.com/office/drawing/2010/main">
+                    <a:solidFill>
+                      <a:srgbClr val="FFFFFF"/>
+                    </a:solidFill>
+                  </a14:hiddenFill>
+                </a:ext>
+              </a:extLst>
+            </p:spPr>
+          </p:pic>
+          <p:pic>
+            <p:nvPicPr>
+              <p:cNvPr id="8" name="Picture 4" descr="Youtube logo | Logok">
+                <a:extLst>
+                  <a:ext uri="{FF2B5EF4-FFF2-40B4-BE49-F238E27FC236}">
+                    <a16:creationId xmlns:a16="http://schemas.microsoft.com/office/drawing/2014/main" id="{963B5AB3-CF6F-104C-9627-8FC06C771E40}"/>
+                  </a:ext>
+                </a:extLst>
+              </p:cNvPr>
+              <p:cNvPicPr>
+                <a:picLocks noChangeAspect="1" noChangeArrowheads="1"/>
+              </p:cNvPicPr>
+              <p:nvPr/>
+            </p:nvPicPr>
+            <p:blipFill>
+              <a:blip r:embed="rId3">
+                <a:alphaModFix amt="20000"/>
+                <a:extLst>
+                  <a:ext uri="{28A0092B-C50C-407E-A947-70E740481C1C}">
+                    <a14:useLocalDpi xmlns:a14="http://schemas.microsoft.com/office/drawing/2010/main" val="0"/>
+                  </a:ext>
+                </a:extLst>
+              </a:blip>
+              <a:srcRect/>
+              <a:stretch>
+                <a:fillRect/>
+              </a:stretch>
+            </p:blipFill>
+            <p:spPr bwMode="auto">
+              <a:xfrm>
+                <a:off x="3891792" y="4187926"/>
+                <a:ext cx="739756" cy="554817"/>
+              </a:xfrm>
+              <a:prstGeom prst="rect">
+                <a:avLst/>
+              </a:prstGeom>
+              <a:noFill/>
+              <a:extLst>
+                <a:ext uri="{909E8E84-426E-40DD-AFC4-6F175D3DCCD1}">
+                  <a14:hiddenFill xmlns:a14="http://schemas.microsoft.com/office/drawing/2010/main">
+                    <a:solidFill>
+                      <a:srgbClr val="FFFFFF"/>
+                    </a:solidFill>
+                  </a14:hiddenFill>
+                </a:ext>
+              </a:extLst>
+            </p:spPr>
+          </p:pic>
+          <p:sp>
+            <p:nvSpPr>
+              <p:cNvPr id="9" name="Intelligent Information Retrieval Laboratory">
+                <a:extLst>
+                  <a:ext uri="{FF2B5EF4-FFF2-40B4-BE49-F238E27FC236}">
+                    <a16:creationId xmlns:a16="http://schemas.microsoft.com/office/drawing/2014/main" id="{83EB1F28-683A-C241-9BF6-96AEE4AF36EA}"/>
+                  </a:ext>
+                </a:extLst>
+              </p:cNvPr>
+              <p:cNvSpPr txBox="1"/>
+              <p:nvPr/>
+            </p:nvSpPr>
+            <p:spPr>
+              <a:xfrm>
+                <a:off x="4549327" y="4308601"/>
+                <a:ext cx="1219200" cy="328935"/>
+              </a:xfrm>
+              <a:prstGeom prst="rect">
+                <a:avLst/>
+              </a:prstGeom>
+              <a:noFill/>
+              <a:ln w="12700" cap="flat">
+                <a:noFill/>
+                <a:miter lim="400000"/>
+              </a:ln>
+              <a:effectLst/>
+              <a:extLst>
+                <a:ext uri="{C572A759-6A51-4108-AA02-DFA0A04FC94B}">
+                  <ma14:wrappingTextBoxFlag xmlns="" xmlns:m="http://schemas.openxmlformats.org/officeDocument/2006/math" xmlns:a14="http://schemas.microsoft.com/office/drawing/2010/main" xmlns:ma14="http://schemas.microsoft.com/office/mac/drawingml/2011/main" val="1"/>
+                </a:ext>
+              </a:extLst>
+            </p:spPr>
+            <p:txBody>
+              <a:bodyPr wrap="square" lIns="71437" tIns="71437" rIns="71437" bIns="71437" numCol="1" anchor="ctr">
+                <a:spAutoFit/>
+              </a:bodyPr>
+              <a:lstStyle>
+                <a:lvl1pPr algn="l" defTabSz="821531">
+                  <a:defRPr sz="2400" b="0">
+                    <a:solidFill>
+                      <a:srgbClr val="FFFFFF"/>
+                    </a:solidFill>
+                    <a:latin typeface="Helvetica Neue Bold Condensed"/>
+                    <a:ea typeface="Helvetica Neue Bold Condensed"/>
+                    <a:cs typeface="Helvetica Neue Bold Condensed"/>
+                    <a:sym typeface="Helvetica Neue Bold Condensed"/>
+                  </a:defRPr>
+                </a:lvl1pPr>
+              </a:lstStyle>
+              <a:p>
+                <a:r>
+                  <a:rPr kumimoji="0" lang="en-US" altLang="zh-TW" sz="1200" b="0" i="0" u="none" strike="noStrike" cap="none" spc="0" normalizeH="0" baseline="0" dirty="0">
+                    <a:ln>
+                      <a:noFill/>
+                    </a:ln>
+                    <a:solidFill>
+                      <a:schemeClr val="tx1">
+                        <a:alpha val="15000"/>
+                      </a:schemeClr>
+                    </a:solidFill>
+                    <a:effectLst/>
+                    <a:uFillTx/>
+                    <a:latin typeface="Helvetica Neue Bold Condensed"/>
+                    <a:ea typeface="Helvetica Neue Bold Condensed"/>
+                    <a:cs typeface="Helvetica Neue Bold Condensed"/>
+                    <a:sym typeface="Helvetica Neue Bold Condensed"/>
+                  </a:rPr>
+                  <a:t>10</a:t>
+                </a:r>
+                <a:r>
+                  <a:rPr kumimoji="0" lang="zh-TW" altLang="en-US" sz="1200" b="0" i="0" u="none" strike="noStrike" cap="none" spc="0" normalizeH="0" baseline="0" dirty="0">
+                    <a:ln>
+                      <a:noFill/>
+                    </a:ln>
+                    <a:solidFill>
+                      <a:schemeClr val="tx1">
+                        <a:alpha val="15000"/>
+                      </a:schemeClr>
+                    </a:solidFill>
+                    <a:effectLst/>
+                    <a:uFillTx/>
+                    <a:sym typeface="Helvetica Neue Bold Condensed"/>
+                  </a:rPr>
+                  <a:t>程式中</a:t>
+                </a:r>
+                <a:endParaRPr sz="1400" dirty="0">
+                  <a:solidFill>
+                    <a:schemeClr val="tx1">
+                      <a:alpha val="15000"/>
+                    </a:schemeClr>
+                  </a:solidFill>
+                </a:endParaRPr>
+              </a:p>
+            </p:txBody>
+          </p:sp>
+        </p:grpSp>
+      </p:grpSp>
+      <p:pic>
+        <p:nvPicPr>
+          <p:cNvPr id="13" name="Picture 12">
+            <a:extLst>
+              <a:ext uri="{FF2B5EF4-FFF2-40B4-BE49-F238E27FC236}">
+                <a16:creationId xmlns:a16="http://schemas.microsoft.com/office/drawing/2014/main" id="{1C83B5E9-D327-9348-A11B-B533303A73D2}"/>
+              </a:ext>
+            </a:extLst>
+          </p:cNvPr>
+          <p:cNvPicPr>
+            <a:picLocks noChangeAspect="1"/>
+          </p:cNvPicPr>
+          <p:nvPr/>
+        </p:nvPicPr>
+        <p:blipFill>
+          <a:blip r:embed="rId4"/>
+          <a:stretch>
+            <a:fillRect/>
+          </a:stretch>
+        </p:blipFill>
+        <p:spPr>
+          <a:xfrm>
+            <a:off x="1638225" y="1521003"/>
+            <a:ext cx="3203705" cy="3152308"/>
+          </a:xfrm>
+          <a:prstGeom prst="rect">
+            <a:avLst/>
+          </a:prstGeom>
+        </p:spPr>
+      </p:pic>
+      <p:pic>
+        <p:nvPicPr>
+          <p:cNvPr id="15" name="Picture 14">
+            <a:extLst>
+              <a:ext uri="{FF2B5EF4-FFF2-40B4-BE49-F238E27FC236}">
+                <a16:creationId xmlns:a16="http://schemas.microsoft.com/office/drawing/2014/main" id="{753C036D-1247-4A4E-8AEA-201310D4C734}"/>
+              </a:ext>
+            </a:extLst>
+          </p:cNvPr>
+          <p:cNvPicPr>
+            <a:picLocks noChangeAspect="1"/>
+          </p:cNvPicPr>
+          <p:nvPr/>
+        </p:nvPicPr>
+        <p:blipFill>
+          <a:blip r:embed="rId5"/>
+          <a:stretch>
+            <a:fillRect/>
+          </a:stretch>
+        </p:blipFill>
+        <p:spPr>
+          <a:xfrm>
+            <a:off x="6373947" y="1451891"/>
+            <a:ext cx="3203704" cy="3203704"/>
+          </a:xfrm>
+          <a:prstGeom prst="rect">
+            <a:avLst/>
+          </a:prstGeom>
+        </p:spPr>
+      </p:pic>
+    </p:spTree>
+    <p:extLst>
+      <p:ext uri="{BB962C8B-B14F-4D97-AF65-F5344CB8AC3E}">
+        <p14:creationId xmlns:p14="http://schemas.microsoft.com/office/powerpoint/2010/main" val="4092375825"/>
+      </p:ext>
+    </p:extLst>
+  </p:cSld>
+  <p:clrMapOvr>
+    <a:masterClrMapping/>
+  </p:clrMapOvr>
+</p:sld>
+</file>
+
+<file path=ppt/slides/slide6.xml><?xml version="1.0" encoding="utf-8"?>
+<p:sld xmlns:a="http://schemas.openxmlformats.org/drawingml/2006/main" xmlns:r="http://schemas.openxmlformats.org/officeDocument/2006/relationships" xmlns:p="http://schemas.openxmlformats.org/presentationml/2006/main">
+  <p:cSld>
+    <p:spTree>
+      <p:nvGrpSpPr>
+        <p:cNvPr id="1" name=""/>
+        <p:cNvGrpSpPr/>
+        <p:nvPr/>
+      </p:nvGrpSpPr>
+      <p:grpSpPr>
+        <a:xfrm>
+          <a:off x="0" y="0"/>
+          <a:ext cx="0" cy="0"/>
+          <a:chOff x="0" y="0"/>
+          <a:chExt cx="0" cy="0"/>
+        </a:xfrm>
+      </p:grpSpPr>
+      <p:pic>
+        <p:nvPicPr>
+          <p:cNvPr id="2050" name="Picture 2">
+            <a:extLst>
+              <a:ext uri="{FF2B5EF4-FFF2-40B4-BE49-F238E27FC236}">
+                <a16:creationId xmlns:a16="http://schemas.microsoft.com/office/drawing/2014/main" id="{96506C3F-1318-A447-B249-634196DCAAB2}"/>
+              </a:ext>
+            </a:extLst>
+          </p:cNvPr>
+          <p:cNvPicPr>
+            <a:picLocks noChangeAspect="1" noChangeArrowheads="1"/>
+          </p:cNvPicPr>
+          <p:nvPr/>
+        </p:nvPicPr>
+        <p:blipFill>
+          <a:blip r:embed="rId3">
+            <a:extLst>
+              <a:ext uri="{28A0092B-C50C-407E-A947-70E740481C1C}">
+                <a14:useLocalDpi xmlns:a14="http://schemas.microsoft.com/office/drawing/2010/main" val="0"/>
+              </a:ext>
+            </a:extLst>
+          </a:blip>
+          <a:srcRect/>
+          <a:stretch>
+            <a:fillRect/>
+          </a:stretch>
+        </p:blipFill>
+        <p:spPr bwMode="auto">
+          <a:xfrm>
+            <a:off x="2940050" y="984250"/>
+            <a:ext cx="6311900" cy="4889500"/>
+          </a:xfrm>
+          <a:prstGeom prst="rect">
+            <a:avLst/>
+          </a:prstGeom>
+          <a:noFill/>
+          <a:extLst>
+            <a:ext uri="{909E8E84-426E-40DD-AFC4-6F175D3DCCD1}">
+              <a14:hiddenFill xmlns:a14="http://schemas.microsoft.com/office/drawing/2010/main">
+                <a:solidFill>
+                  <a:srgbClr val="FFFFFF"/>
+                </a:solidFill>
+              </a14:hiddenFill>
+            </a:ext>
+          </a:extLst>
+        </p:spPr>
+      </p:pic>
+    </p:spTree>
+    <p:extLst>
+      <p:ext uri="{BB962C8B-B14F-4D97-AF65-F5344CB8AC3E}">
+        <p14:creationId xmlns:p14="http://schemas.microsoft.com/office/powerpoint/2010/main" val="1390692624"/>
+      </p:ext>
+    </p:extLst>
+  </p:cSld>
+  <p:clrMapOvr>
+    <a:masterClrMapping/>
+  </p:clrMapOvr>
+</p:sld>
+</file>
+
 <file path=ppt/theme/theme1.xml><?xml version="1.0" encoding="utf-8"?>
 <a:theme xmlns:a="http://schemas.openxmlformats.org/drawingml/2006/main" name="Office Theme">
   <a:themeElements>
@@ -11462,4 +12788,299 @@
     </a:ext>
   </a:extLst>
 </a:theme>
+</file>
+
+<file path=ppt/theme/theme2.xml><?xml version="1.0" encoding="utf-8"?>
+<a:theme xmlns:a="http://schemas.openxmlformats.org/drawingml/2006/main" name="Office Theme">
+  <a:themeElements>
+    <a:clrScheme name="Office">
+      <a:dk1>
+        <a:sysClr val="windowText" lastClr="000000"/>
+      </a:dk1>
+      <a:lt1>
+        <a:sysClr val="window" lastClr="FFFFFF"/>
+      </a:lt1>
+      <a:dk2>
+        <a:srgbClr val="44546A"/>
+      </a:dk2>
+      <a:lt2>
+        <a:srgbClr val="E7E6E6"/>
+      </a:lt2>
+      <a:accent1>
+        <a:srgbClr val="4472C4"/>
+      </a:accent1>
+      <a:accent2>
+        <a:srgbClr val="ED7D31"/>
+      </a:accent2>
+      <a:accent3>
+        <a:srgbClr val="A5A5A5"/>
+      </a:accent3>
+      <a:accent4>
+        <a:srgbClr val="FFC000"/>
+      </a:accent4>
+      <a:accent5>
+        <a:srgbClr val="5B9BD5"/>
+      </a:accent5>
+      <a:accent6>
+        <a:srgbClr val="70AD47"/>
+      </a:accent6>
+      <a:hlink>
+        <a:srgbClr val="0563C1"/>
+      </a:hlink>
+      <a:folHlink>
+        <a:srgbClr val="954F72"/>
+      </a:folHlink>
+    </a:clrScheme>
+    <a:fontScheme name="Office">
+      <a:majorFont>
+        <a:latin typeface="Calibri Light" panose="020F0302020204030204"/>
+        <a:ea typeface=""/>
+        <a:cs typeface=""/>
+        <a:font script="Jpan" typeface="游ゴシック Light"/>
+        <a:font script="Hang" typeface="맑은 고딕"/>
+        <a:font script="Hans" typeface="等线 Light"/>
+        <a:font script="Hant" typeface="新細明體"/>
+        <a:font script="Arab" typeface="Times New Roman"/>
+        <a:font script="Hebr" typeface="Times New Roman"/>
+        <a:font script="Thai" typeface="Angsana New"/>
+        <a:font script="Ethi" typeface="Nyala"/>
+        <a:font script="Beng" typeface="Vrinda"/>
+        <a:font script="Gujr" typeface="Shruti"/>
+        <a:font script="Khmr" typeface="MoolBoran"/>
+        <a:font script="Knda" typeface="Tunga"/>
+        <a:font script="Guru" typeface="Raavi"/>
+        <a:font script="Cans" typeface="Euphemia"/>
+        <a:font script="Cher" typeface="Plantagenet Cherokee"/>
+        <a:font script="Yiii" typeface="Microsoft Yi Baiti"/>
+        <a:font script="Tibt" typeface="Microsoft Himalaya"/>
+        <a:font script="Thaa" typeface="MV Boli"/>
+        <a:font script="Deva" typeface="Mangal"/>
+        <a:font script="Telu" typeface="Gautami"/>
+        <a:font script="Taml" typeface="Latha"/>
+        <a:font script="Syrc" typeface="Estrangelo Edessa"/>
+        <a:font script="Orya" typeface="Kalinga"/>
+        <a:font script="Mlym" typeface="Kartika"/>
+        <a:font script="Laoo" typeface="DokChampa"/>
+        <a:font script="Sinh" typeface="Iskoola Pota"/>
+        <a:font script="Mong" typeface="Mongolian Baiti"/>
+        <a:font script="Viet" typeface="Times New Roman"/>
+        <a:font script="Uigh" typeface="Microsoft Uighur"/>
+        <a:font script="Geor" typeface="Sylfaen"/>
+        <a:font script="Armn" typeface="Arial"/>
+        <a:font script="Bugi" typeface="Leelawadee UI"/>
+        <a:font script="Bopo" typeface="Microsoft JhengHei"/>
+        <a:font script="Java" typeface="Javanese Text"/>
+        <a:font script="Lisu" typeface="Segoe UI"/>
+        <a:font script="Mymr" typeface="Myanmar Text"/>
+        <a:font script="Nkoo" typeface="Ebrima"/>
+        <a:font script="Olck" typeface="Nirmala UI"/>
+        <a:font script="Osma" typeface="Ebrima"/>
+        <a:font script="Phag" typeface="Phagspa"/>
+        <a:font script="Syrn" typeface="Estrangelo Edessa"/>
+        <a:font script="Syrj" typeface="Estrangelo Edessa"/>
+        <a:font script="Syre" typeface="Estrangelo Edessa"/>
+        <a:font script="Sora" typeface="Nirmala UI"/>
+        <a:font script="Tale" typeface="Microsoft Tai Le"/>
+        <a:font script="Talu" typeface="Microsoft New Tai Lue"/>
+        <a:font script="Tfng" typeface="Ebrima"/>
+      </a:majorFont>
+      <a:minorFont>
+        <a:latin typeface="Calibri" panose="020F0502020204030204"/>
+        <a:ea typeface=""/>
+        <a:cs typeface=""/>
+        <a:font script="Jpan" typeface="游ゴシック"/>
+        <a:font script="Hang" typeface="맑은 고딕"/>
+        <a:font script="Hans" typeface="等线"/>
+        <a:font script="Hant" typeface="新細明體"/>
+        <a:font script="Arab" typeface="Arial"/>
+        <a:font script="Hebr" typeface="Arial"/>
+        <a:font script="Thai" typeface="Cordia New"/>
+        <a:font script="Ethi" typeface="Nyala"/>
+        <a:font script="Beng" typeface="Vrinda"/>
+        <a:font script="Gujr" typeface="Shruti"/>
+        <a:font script="Khmr" typeface="DaunPenh"/>
+        <a:font script="Knda" typeface="Tunga"/>
+        <a:font script="Guru" typeface="Raavi"/>
+        <a:font script="Cans" typeface="Euphemia"/>
+        <a:font script="Cher" typeface="Plantagenet Cherokee"/>
+        <a:font script="Yiii" typeface="Microsoft Yi Baiti"/>
+        <a:font script="Tibt" typeface="Microsoft Himalaya"/>
+        <a:font script="Thaa" typeface="MV Boli"/>
+        <a:font script="Deva" typeface="Mangal"/>
+        <a:font script="Telu" typeface="Gautami"/>
+        <a:font script="Taml" typeface="Latha"/>
+        <a:font script="Syrc" typeface="Estrangelo Edessa"/>
+        <a:font script="Orya" typeface="Kalinga"/>
+        <a:font script="Mlym" typeface="Kartika"/>
+        <a:font script="Laoo" typeface="DokChampa"/>
+        <a:font script="Sinh" typeface="Iskoola Pota"/>
+        <a:font script="Mong" typeface="Mongolian Baiti"/>
+        <a:font script="Viet" typeface="Arial"/>
+        <a:font script="Uigh" typeface="Microsoft Uighur"/>
+        <a:font script="Geor" typeface="Sylfaen"/>
+        <a:font script="Armn" typeface="Arial"/>
+        <a:font script="Bugi" typeface="Leelawadee UI"/>
+        <a:font script="Bopo" typeface="Microsoft JhengHei"/>
+        <a:font script="Java" typeface="Javanese Text"/>
+        <a:font script="Lisu" typeface="Segoe UI"/>
+        <a:font script="Mymr" typeface="Myanmar Text"/>
+        <a:font script="Nkoo" typeface="Ebrima"/>
+        <a:font script="Olck" typeface="Nirmala UI"/>
+        <a:font script="Osma" typeface="Ebrima"/>
+        <a:font script="Phag" typeface="Phagspa"/>
+        <a:font script="Syrn" typeface="Estrangelo Edessa"/>
+        <a:font script="Syrj" typeface="Estrangelo Edessa"/>
+        <a:font script="Syre" typeface="Estrangelo Edessa"/>
+        <a:font script="Sora" typeface="Nirmala UI"/>
+        <a:font script="Tale" typeface="Microsoft Tai Le"/>
+        <a:font script="Talu" typeface="Microsoft New Tai Lue"/>
+        <a:font script="Tfng" typeface="Ebrima"/>
+      </a:minorFont>
+    </a:fontScheme>
+    <a:fmtScheme name="Office">
+      <a:fillStyleLst>
+        <a:solidFill>
+          <a:schemeClr val="phClr"/>
+        </a:solidFill>
+        <a:gradFill rotWithShape="1">
+          <a:gsLst>
+            <a:gs pos="0">
+              <a:schemeClr val="phClr">
+                <a:lumMod val="110000"/>
+                <a:satMod val="105000"/>
+                <a:tint val="67000"/>
+              </a:schemeClr>
+            </a:gs>
+            <a:gs pos="50000">
+              <a:schemeClr val="phClr">
+                <a:lumMod val="105000"/>
+                <a:satMod val="103000"/>
+                <a:tint val="73000"/>
+              </a:schemeClr>
+            </a:gs>
+            <a:gs pos="100000">
+              <a:schemeClr val="phClr">
+                <a:lumMod val="105000"/>
+                <a:satMod val="109000"/>
+                <a:tint val="81000"/>
+              </a:schemeClr>
+            </a:gs>
+          </a:gsLst>
+          <a:lin ang="5400000" scaled="0"/>
+        </a:gradFill>
+        <a:gradFill rotWithShape="1">
+          <a:gsLst>
+            <a:gs pos="0">
+              <a:schemeClr val="phClr">
+                <a:satMod val="103000"/>
+                <a:lumMod val="102000"/>
+                <a:tint val="94000"/>
+              </a:schemeClr>
+            </a:gs>
+            <a:gs pos="50000">
+              <a:schemeClr val="phClr">
+                <a:satMod val="110000"/>
+                <a:lumMod val="100000"/>
+                <a:shade val="100000"/>
+              </a:schemeClr>
+            </a:gs>
+            <a:gs pos="100000">
+              <a:schemeClr val="phClr">
+                <a:lumMod val="99000"/>
+                <a:satMod val="120000"/>
+                <a:shade val="78000"/>
+              </a:schemeClr>
+            </a:gs>
+          </a:gsLst>
+          <a:lin ang="5400000" scaled="0"/>
+        </a:gradFill>
+      </a:fillStyleLst>
+      <a:lnStyleLst>
+        <a:ln w="6350" cap="flat" cmpd="sng" algn="ctr">
+          <a:solidFill>
+            <a:schemeClr val="phClr"/>
+          </a:solidFill>
+          <a:prstDash val="solid"/>
+          <a:miter lim="800000"/>
+        </a:ln>
+        <a:ln w="12700" cap="flat" cmpd="sng" algn="ctr">
+          <a:solidFill>
+            <a:schemeClr val="phClr"/>
+          </a:solidFill>
+          <a:prstDash val="solid"/>
+          <a:miter lim="800000"/>
+        </a:ln>
+        <a:ln w="19050" cap="flat" cmpd="sng" algn="ctr">
+          <a:solidFill>
+            <a:schemeClr val="phClr"/>
+          </a:solidFill>
+          <a:prstDash val="solid"/>
+          <a:miter lim="800000"/>
+        </a:ln>
+      </a:lnStyleLst>
+      <a:effectStyleLst>
+        <a:effectStyle>
+          <a:effectLst/>
+        </a:effectStyle>
+        <a:effectStyle>
+          <a:effectLst/>
+        </a:effectStyle>
+        <a:effectStyle>
+          <a:effectLst>
+            <a:outerShdw blurRad="57150" dist="19050" dir="5400000" algn="ctr" rotWithShape="0">
+              <a:srgbClr val="000000">
+                <a:alpha val="63000"/>
+              </a:srgbClr>
+            </a:outerShdw>
+          </a:effectLst>
+        </a:effectStyle>
+      </a:effectStyleLst>
+      <a:bgFillStyleLst>
+        <a:solidFill>
+          <a:schemeClr val="phClr"/>
+        </a:solidFill>
+        <a:solidFill>
+          <a:schemeClr val="phClr">
+            <a:tint val="95000"/>
+            <a:satMod val="170000"/>
+          </a:schemeClr>
+        </a:solidFill>
+        <a:gradFill rotWithShape="1">
+          <a:gsLst>
+            <a:gs pos="0">
+              <a:schemeClr val="phClr">
+                <a:tint val="93000"/>
+                <a:satMod val="150000"/>
+                <a:shade val="98000"/>
+                <a:lumMod val="102000"/>
+              </a:schemeClr>
+            </a:gs>
+            <a:gs pos="50000">
+              <a:schemeClr val="phClr">
+                <a:tint val="98000"/>
+                <a:satMod val="130000"/>
+                <a:shade val="90000"/>
+                <a:lumMod val="103000"/>
+              </a:schemeClr>
+            </a:gs>
+            <a:gs pos="100000">
+              <a:schemeClr val="phClr">
+                <a:shade val="63000"/>
+                <a:satMod val="120000"/>
+              </a:schemeClr>
+            </a:gs>
+          </a:gsLst>
+          <a:lin ang="5400000" scaled="0"/>
+        </a:gradFill>
+      </a:bgFillStyleLst>
+    </a:fmtScheme>
+  </a:themeElements>
+  <a:objectDefaults/>
+  <a:extraClrSchemeLst/>
+  <a:extLst>
+    <a:ext uri="{05A4C25C-085E-4340-85A3-A5531E510DB2}">
+      <thm15:themeFamily xmlns:thm15="http://schemas.microsoft.com/office/thememl/2012/main" name="Office Theme" id="{62F939B6-93AF-4DB8-9C6B-D6C7DFDC589F}" vid="{4A3C46E8-61CC-4603-A589-7422A47A8E4A}"/>
+    </a:ext>
+  </a:extLst>
+</a:theme>
 </file>